--- a/slides/pyspark/graphframes/intro_to_graphframes/9.1_introduction_to_graphs.pptx
+++ b/slides/pyspark/graphframes/intro_to_graphframes/9.1_introduction_to_graphs.pptx
@@ -6498,6 +6498,42 @@
           </a:p>
         </p:txBody>
       </p:sp>
+      <p:pic>
+        <p:nvPicPr>
+          <p:cNvPr id="3" name="Graphic 2">
+            <a:extLst>
+              <a:ext uri="{FF2B5EF4-FFF2-40B4-BE49-F238E27FC236}">
+                <a16:creationId xmlns:a16="http://schemas.microsoft.com/office/drawing/2014/main" id="{04F64DD9-DEB7-E125-289B-1590CC956362}"/>
+              </a:ext>
+            </a:extLst>
+          </p:cNvPr>
+          <p:cNvPicPr>
+            <a:picLocks noChangeAspect="1"/>
+          </p:cNvPicPr>
+          <p:nvPr/>
+        </p:nvPicPr>
+        <p:blipFill>
+          <a:blip r:embed="rId2">
+            <a:extLst>
+              <a:ext uri="{96DAC541-7B7A-43D3-8B79-37D633B846F1}">
+                <asvg:svgBlip xmlns:asvg="http://schemas.microsoft.com/office/drawing/2016/SVG/main" r:embed="rId3"/>
+              </a:ext>
+            </a:extLst>
+          </a:blip>
+          <a:stretch>
+            <a:fillRect/>
+          </a:stretch>
+        </p:blipFill>
+        <p:spPr>
+          <a:xfrm>
+            <a:off x="2617402" y="1311037"/>
+            <a:ext cx="4279900" cy="2667000"/>
+          </a:xfrm>
+          <a:prstGeom prst="rect">
+            <a:avLst/>
+          </a:prstGeom>
+        </p:spPr>
+      </p:pic>
     </p:spTree>
     <p:extLst>
       <p:ext uri="{BB962C8B-B14F-4D97-AF65-F5344CB8AC3E}">
@@ -6684,7 +6720,7 @@
           <a:p>
             <a:r>
               <a:rPr lang="en-US" dirty="0"/>
-              <a:t>Graph Examples: a Undirected Graph </a:t>
+              <a:t>Graph Examples: an Undirected Graph </a:t>
             </a:r>
           </a:p>
         </p:txBody>
@@ -7112,7 +7148,7 @@
           <a:p>
             <a:r>
               <a:rPr lang="en-US" dirty="0"/>
-              <a:t>Graph terminology: directed</a:t>
+              <a:t>Graph terminology: Directed</a:t>
             </a:r>
           </a:p>
         </p:txBody>
@@ -8888,14 +8924,14 @@
             <a:pPr lvl="1"/>
             <a:r>
               <a:rPr lang="en-US" sz="2800" dirty="0"/>
-              <a:t> Nodes or vertices</a:t>
+              <a:t> Nodes (or vertices)</a:t>
             </a:r>
           </a:p>
           <a:p>
             <a:pPr lvl="1"/>
             <a:r>
               <a:rPr lang="en-US" sz="2800" dirty="0"/>
-              <a:t> Edges or arcs</a:t>
+              <a:t> Edges (or arcs)</a:t>
             </a:r>
           </a:p>
           <a:p>
@@ -9272,8 +9308,13 @@
           <a:p>
             <a:r>
               <a:rPr lang="en-US" dirty="0"/>
-              <a:t>Graph Theory Tutorial</a:t>
-            </a:r>
+              <a:t>Graph Theory Tutorial (as a </a:t>
+            </a:r>
+            <a:r>
+              <a:rPr lang="en-US"/>
+              <a:t>URL link)</a:t>
+            </a:r>
+            <a:endParaRPr lang="en-US" dirty="0"/>
           </a:p>
         </p:txBody>
       </p:sp>
@@ -9748,7 +9789,7 @@
         </p:nvSpPr>
         <p:spPr>
           <a:xfrm>
-            <a:off x="628650" y="273845"/>
+            <a:off x="515895" y="282555"/>
             <a:ext cx="7886700" cy="483802"/>
           </a:xfrm>
         </p:spPr>
@@ -9760,7 +9801,7 @@
           <a:p>
             <a:r>
               <a:rPr lang="en-US" dirty="0"/>
-              <a:t>Graph Examples: a Graph with 5 nodes</a:t>
+              <a:t>Graph Examples: an Undirected Graph with 5 nodes</a:t>
             </a:r>
           </a:p>
         </p:txBody>
